--- a/Week03/Week03 Solution.pptx
+++ b/Week03/Week03 Solution.pptx
@@ -803,7 +803,7 @@
   <p:cSld>
     <p:spTree>
       <p:nvGrpSpPr>
-        <p:cNvPr id="117" name="Shape 117"/>
+        <p:cNvPr id="121" name="Shape 121"/>
         <p:cNvGrpSpPr/>
         <p:nvPr/>
       </p:nvGrpSpPr>
@@ -817,7 +817,7 @@
       </p:grpSpPr>
       <p:sp>
         <p:nvSpPr>
-          <p:cNvPr id="118" name="Google Shape;118;g112b26ac260_0_72:notes"/>
+          <p:cNvPr id="122" name="Google Shape;122;g112b26ac260_0_72:notes"/>
           <p:cNvSpPr/>
           <p:nvPr>
             <p:ph idx="2" type="sldImg"/>
@@ -852,7 +852,7 @@
       </p:sp>
       <p:sp>
         <p:nvSpPr>
-          <p:cNvPr id="119" name="Google Shape;119;g112b26ac260_0_72:notes"/>
+          <p:cNvPr id="123" name="Google Shape;123;g112b26ac260_0_72:notes"/>
           <p:cNvSpPr txBox="1"/>
           <p:nvPr>
             <p:ph idx="1" type="body"/>
@@ -902,7 +902,7 @@
   <p:cSld>
     <p:spTree>
       <p:nvGrpSpPr>
-        <p:cNvPr id="127" name="Shape 127"/>
+        <p:cNvPr id="131" name="Shape 131"/>
         <p:cNvGrpSpPr/>
         <p:nvPr/>
       </p:nvGrpSpPr>
@@ -916,7 +916,7 @@
       </p:grpSpPr>
       <p:sp>
         <p:nvSpPr>
-          <p:cNvPr id="128" name="Google Shape;128;g112b26ac260_0_67:notes"/>
+          <p:cNvPr id="132" name="Google Shape;132;g112b26ac260_0_67:notes"/>
           <p:cNvSpPr/>
           <p:nvPr>
             <p:ph idx="2" type="sldImg"/>
@@ -951,7 +951,7 @@
       </p:sp>
       <p:sp>
         <p:nvSpPr>
-          <p:cNvPr id="129" name="Google Shape;129;g112b26ac260_0_67:notes"/>
+          <p:cNvPr id="133" name="Google Shape;133;g112b26ac260_0_67:notes"/>
           <p:cNvSpPr txBox="1"/>
           <p:nvPr>
             <p:ph idx="1" type="body"/>
@@ -1001,7 +1001,7 @@
   <p:cSld>
     <p:spTree>
       <p:nvGrpSpPr>
-        <p:cNvPr id="133" name="Shape 133"/>
+        <p:cNvPr id="137" name="Shape 137"/>
         <p:cNvGrpSpPr/>
         <p:nvPr/>
       </p:nvGrpSpPr>
@@ -1015,7 +1015,7 @@
       </p:grpSpPr>
       <p:sp>
         <p:nvSpPr>
-          <p:cNvPr id="134" name="Google Shape;134;g112b26ac260_0_82:notes"/>
+          <p:cNvPr id="138" name="Google Shape;138;g112b26ac260_0_82:notes"/>
           <p:cNvSpPr/>
           <p:nvPr>
             <p:ph idx="2" type="sldImg"/>
@@ -1050,7 +1050,7 @@
       </p:sp>
       <p:sp>
         <p:nvSpPr>
-          <p:cNvPr id="135" name="Google Shape;135;g112b26ac260_0_82:notes"/>
+          <p:cNvPr id="139" name="Google Shape;139;g112b26ac260_0_82:notes"/>
           <p:cNvSpPr txBox="1"/>
           <p:nvPr>
             <p:ph idx="1" type="body"/>
@@ -1100,7 +1100,7 @@
   <p:cSld>
     <p:spTree>
       <p:nvGrpSpPr>
-        <p:cNvPr id="139" name="Shape 139"/>
+        <p:cNvPr id="143" name="Shape 143"/>
         <p:cNvGrpSpPr/>
         <p:nvPr/>
       </p:nvGrpSpPr>
@@ -1114,7 +1114,7 @@
       </p:grpSpPr>
       <p:sp>
         <p:nvSpPr>
-          <p:cNvPr id="140" name="Google Shape;140;g112b26ac260_0_87:notes"/>
+          <p:cNvPr id="144" name="Google Shape;144;g112b26ac260_0_87:notes"/>
           <p:cNvSpPr/>
           <p:nvPr>
             <p:ph idx="2" type="sldImg"/>
@@ -1149,7 +1149,7 @@
       </p:sp>
       <p:sp>
         <p:nvSpPr>
-          <p:cNvPr id="141" name="Google Shape;141;g112b26ac260_0_87:notes"/>
+          <p:cNvPr id="145" name="Google Shape;145;g112b26ac260_0_87:notes"/>
           <p:cNvSpPr txBox="1"/>
           <p:nvPr>
             <p:ph idx="1" type="body"/>
@@ -1199,7 +1199,7 @@
   <p:cSld>
     <p:spTree>
       <p:nvGrpSpPr>
-        <p:cNvPr id="145" name="Shape 145"/>
+        <p:cNvPr id="149" name="Shape 149"/>
         <p:cNvGrpSpPr/>
         <p:nvPr/>
       </p:nvGrpSpPr>
@@ -1213,7 +1213,7 @@
       </p:grpSpPr>
       <p:sp>
         <p:nvSpPr>
-          <p:cNvPr id="146" name="Google Shape;146;g112b26ac260_0_92:notes"/>
+          <p:cNvPr id="150" name="Google Shape;150;g112b26ac260_0_92:notes"/>
           <p:cNvSpPr/>
           <p:nvPr>
             <p:ph idx="2" type="sldImg"/>
@@ -1248,7 +1248,7 @@
       </p:sp>
       <p:sp>
         <p:nvSpPr>
-          <p:cNvPr id="147" name="Google Shape;147;g112b26ac260_0_92:notes"/>
+          <p:cNvPr id="151" name="Google Shape;151;g112b26ac260_0_92:notes"/>
           <p:cNvSpPr txBox="1"/>
           <p:nvPr>
             <p:ph idx="1" type="body"/>
@@ -1991,7 +1991,7 @@
   <p:cSld>
     <p:spTree>
       <p:nvGrpSpPr>
-        <p:cNvPr id="111" name="Shape 111"/>
+        <p:cNvPr id="115" name="Shape 115"/>
         <p:cNvGrpSpPr/>
         <p:nvPr/>
       </p:nvGrpSpPr>
@@ -2005,7 +2005,7 @@
       </p:grpSpPr>
       <p:sp>
         <p:nvSpPr>
-          <p:cNvPr id="112" name="Google Shape;112;g112b26ac260_0_50:notes"/>
+          <p:cNvPr id="116" name="Google Shape;116;g112b26ac260_0_50:notes"/>
           <p:cNvSpPr/>
           <p:nvPr>
             <p:ph idx="2" type="sldImg"/>
@@ -2040,7 +2040,7 @@
       </p:sp>
       <p:sp>
         <p:nvSpPr>
-          <p:cNvPr id="113" name="Google Shape;113;g112b26ac260_0_50:notes"/>
+          <p:cNvPr id="117" name="Google Shape;117;g112b26ac260_0_50:notes"/>
           <p:cNvSpPr txBox="1"/>
           <p:nvPr>
             <p:ph idx="1" type="body"/>
@@ -6844,7 +6844,7 @@
   <p:cSld>
     <p:spTree>
       <p:nvGrpSpPr>
-        <p:cNvPr id="120" name="Shape 120"/>
+        <p:cNvPr id="124" name="Shape 124"/>
         <p:cNvGrpSpPr/>
         <p:nvPr/>
       </p:nvGrpSpPr>
@@ -6858,7 +6858,7 @@
       </p:grpSpPr>
       <p:sp>
         <p:nvSpPr>
-          <p:cNvPr id="121" name="Google Shape;121;p22"/>
+          <p:cNvPr id="125" name="Google Shape;125;p22"/>
           <p:cNvSpPr txBox="1"/>
           <p:nvPr>
             <p:ph type="title"/>
@@ -6898,7 +6898,7 @@
       </p:sp>
       <p:pic>
         <p:nvPicPr>
-          <p:cNvPr id="122" name="Google Shape;122;p22"/>
+          <p:cNvPr id="126" name="Google Shape;126;p22"/>
           <p:cNvPicPr preferRelativeResize="0"/>
           <p:nvPr/>
         </p:nvPicPr>
@@ -6926,7 +6926,7 @@
       </p:pic>
       <p:sp>
         <p:nvSpPr>
-          <p:cNvPr id="123" name="Google Shape;123;p22"/>
+          <p:cNvPr id="127" name="Google Shape;127;p22"/>
           <p:cNvSpPr txBox="1"/>
           <p:nvPr/>
         </p:nvSpPr>
@@ -6968,7 +6968,7 @@
       </p:sp>
       <p:sp>
         <p:nvSpPr>
-          <p:cNvPr id="124" name="Google Shape;124;p22"/>
+          <p:cNvPr id="128" name="Google Shape;128;p22"/>
           <p:cNvSpPr txBox="1"/>
           <p:nvPr/>
         </p:nvSpPr>
@@ -7010,7 +7010,7 @@
       </p:sp>
       <p:pic>
         <p:nvPicPr>
-          <p:cNvPr id="125" name="Google Shape;125;p22"/>
+          <p:cNvPr id="129" name="Google Shape;129;p22"/>
           <p:cNvPicPr preferRelativeResize="0"/>
           <p:nvPr/>
         </p:nvPicPr>
@@ -7038,7 +7038,7 @@
       </p:pic>
       <p:sp>
         <p:nvSpPr>
-          <p:cNvPr id="126" name="Google Shape;126;p22"/>
+          <p:cNvPr id="130" name="Google Shape;130;p22"/>
           <p:cNvSpPr txBox="1"/>
           <p:nvPr/>
         </p:nvSpPr>
@@ -7123,7 +7123,7 @@
   <p:cSld>
     <p:spTree>
       <p:nvGrpSpPr>
-        <p:cNvPr id="130" name="Shape 130"/>
+        <p:cNvPr id="134" name="Shape 134"/>
         <p:cNvGrpSpPr/>
         <p:nvPr/>
       </p:nvGrpSpPr>
@@ -7137,7 +7137,7 @@
       </p:grpSpPr>
       <p:sp>
         <p:nvSpPr>
-          <p:cNvPr id="131" name="Google Shape;131;p23"/>
+          <p:cNvPr id="135" name="Google Shape;135;p23"/>
           <p:cNvSpPr txBox="1"/>
           <p:nvPr>
             <p:ph type="title"/>
@@ -7177,7 +7177,7 @@
       </p:sp>
       <p:sp>
         <p:nvSpPr>
-          <p:cNvPr id="132" name="Google Shape;132;p23"/>
+          <p:cNvPr id="136" name="Google Shape;136;p23"/>
           <p:cNvSpPr txBox="1"/>
           <p:nvPr>
             <p:ph idx="1" type="body"/>
@@ -7203,15 +7203,57 @@
                 <a:spcPts val="0"/>
               </a:spcBef>
               <a:spcAft>
-                <a:spcPts val="1200"/>
-              </a:spcAft>
+                <a:spcPts val="0"/>
+              </a:spcAft>
+              <a:buClr>
+                <a:schemeClr val="dk1"/>
+              </a:buClr>
+              <a:buSzPts val="1100"/>
+              <a:buFont typeface="Arial"/>
               <a:buNone/>
             </a:pPr>
             <a:r>
-              <a:rPr lang="en"/>
-              <a:t>I would make the tradeoff between time and precision to determine which method to use. When the data is big and I am in a rush to get the result, I will use near PSD to get the result faster. When I am not in such a hurry, I will use Higham to pursue precision. </a:t>
+              <a:rPr lang="en" sz="1400">
+                <a:solidFill>
+                  <a:srgbClr val="000000"/>
+                </a:solidFill>
+              </a:rPr>
+              <a:t>The Higham method takes up more time to run and provides more precision about the output compared to the near psd method. The conclusion is more significant as N increases. </a:t>
             </a:r>
-            <a:endParaRPr/>
+            <a:endParaRPr sz="1400">
+              <a:solidFill>
+                <a:srgbClr val="000000"/>
+              </a:solidFill>
+            </a:endParaRPr>
+          </a:p>
+          <a:p>
+            <a:pPr indent="0" lvl="0" marL="0" rtl="0" algn="l">
+              <a:spcBef>
+                <a:spcPts val="0"/>
+              </a:spcBef>
+              <a:spcAft>
+                <a:spcPts val="0"/>
+              </a:spcAft>
+              <a:buClr>
+                <a:schemeClr val="dk1"/>
+              </a:buClr>
+              <a:buSzPts val="1100"/>
+              <a:buFont typeface="Arial"/>
+              <a:buNone/>
+            </a:pPr>
+            <a:r>
+              <a:rPr lang="en" sz="1400">
+                <a:solidFill>
+                  <a:srgbClr val="000000"/>
+                </a:solidFill>
+              </a:rPr>
+              <a:t>The decision between whether to use the Higham method or the near psd is a tradeoff between time consumption and precision. When in a situation where an output is needed in a short time, the near psd method should be used and some precision may be sacrificed; when in a situation where no one is in a rush of getting the output, the Higham can be implemented. It also depends on how big N is, the larger the N gets, the longer it takes for Higham to run, and the larger the gap between the run-time of Higham and the near psd. </a:t>
+            </a:r>
+            <a:endParaRPr sz="1400">
+              <a:solidFill>
+                <a:srgbClr val="000000"/>
+              </a:solidFill>
+            </a:endParaRPr>
           </a:p>
         </p:txBody>
       </p:sp>
@@ -7228,7 +7270,7 @@
   <p:cSld>
     <p:spTree>
       <p:nvGrpSpPr>
-        <p:cNvPr id="136" name="Shape 136"/>
+        <p:cNvPr id="140" name="Shape 140"/>
         <p:cNvGrpSpPr/>
         <p:nvPr/>
       </p:nvGrpSpPr>
@@ -7242,7 +7284,7 @@
       </p:grpSpPr>
       <p:sp>
         <p:nvSpPr>
-          <p:cNvPr id="137" name="Google Shape;137;p24"/>
+          <p:cNvPr id="141" name="Google Shape;141;p24"/>
           <p:cNvSpPr txBox="1"/>
           <p:nvPr>
             <p:ph type="title"/>
@@ -7282,7 +7324,7 @@
       </p:sp>
       <p:pic>
         <p:nvPicPr>
-          <p:cNvPr id="138" name="Google Shape;138;p24"/>
+          <p:cNvPr id="142" name="Google Shape;142;p24"/>
           <p:cNvPicPr preferRelativeResize="0"/>
           <p:nvPr/>
         </p:nvPicPr>
@@ -7321,7 +7363,7 @@
   <p:cSld>
     <p:spTree>
       <p:nvGrpSpPr>
-        <p:cNvPr id="142" name="Shape 142"/>
+        <p:cNvPr id="146" name="Shape 146"/>
         <p:cNvGrpSpPr/>
         <p:nvPr/>
       </p:nvGrpSpPr>
@@ -7335,7 +7377,7 @@
       </p:grpSpPr>
       <p:sp>
         <p:nvSpPr>
-          <p:cNvPr id="143" name="Google Shape;143;p25"/>
+          <p:cNvPr id="147" name="Google Shape;147;p25"/>
           <p:cNvSpPr txBox="1"/>
           <p:nvPr>
             <p:ph type="title"/>
@@ -7375,7 +7417,7 @@
       </p:sp>
       <p:sp>
         <p:nvSpPr>
-          <p:cNvPr id="144" name="Google Shape;144;p25"/>
+          <p:cNvPr id="148" name="Google Shape;148;p25"/>
           <p:cNvSpPr txBox="1"/>
           <p:nvPr>
             <p:ph idx="1" type="body"/>
@@ -7426,7 +7468,7 @@
   <p:cSld>
     <p:spTree>
       <p:nvGrpSpPr>
-        <p:cNvPr id="148" name="Shape 148"/>
+        <p:cNvPr id="152" name="Shape 152"/>
         <p:cNvGrpSpPr/>
         <p:nvPr/>
       </p:nvGrpSpPr>
@@ -7440,7 +7482,7 @@
       </p:grpSpPr>
       <p:sp>
         <p:nvSpPr>
-          <p:cNvPr id="149" name="Google Shape;149;p26"/>
+          <p:cNvPr id="153" name="Google Shape;153;p26"/>
           <p:cNvSpPr txBox="1"/>
           <p:nvPr>
             <p:ph type="title"/>
@@ -8482,7 +8524,7 @@
         </p:nvSpPr>
         <p:spPr>
           <a:xfrm>
-            <a:off x="400950" y="1017725"/>
+            <a:off x="400950" y="865325"/>
             <a:ext cx="3163800" cy="400200"/>
           </a:xfrm>
           <a:prstGeom prst="rect">
@@ -8524,7 +8566,7 @@
         </p:nvSpPr>
         <p:spPr>
           <a:xfrm>
-            <a:off x="5252025" y="1017725"/>
+            <a:off x="5252025" y="789125"/>
             <a:ext cx="3000000" cy="400200"/>
           </a:xfrm>
           <a:prstGeom prst="rect">
@@ -8586,7 +8628,7 @@
         </p:blipFill>
         <p:spPr>
           <a:xfrm>
-            <a:off x="340350" y="1470100"/>
+            <a:off x="340350" y="1165300"/>
             <a:ext cx="3700526" cy="2332700"/>
           </a:xfrm>
           <a:prstGeom prst="rect">
@@ -8614,7 +8656,7 @@
         </p:blipFill>
         <p:spPr>
           <a:xfrm>
-            <a:off x="5024475" y="1470100"/>
+            <a:off x="5024475" y="1165300"/>
             <a:ext cx="3700525" cy="2332700"/>
           </a:xfrm>
           <a:prstGeom prst="rect">
@@ -8642,7 +8684,7 @@
         </p:blipFill>
         <p:spPr>
           <a:xfrm>
-            <a:off x="64675" y="3967725"/>
+            <a:off x="64675" y="3358125"/>
             <a:ext cx="4132799" cy="1035900"/>
           </a:xfrm>
           <a:prstGeom prst="rect">
@@ -8670,7 +8712,7 @@
         </p:blipFill>
         <p:spPr>
           <a:xfrm>
-            <a:off x="4948550" y="3971575"/>
+            <a:off x="4948550" y="3361975"/>
             <a:ext cx="4132799" cy="1028200"/>
           </a:xfrm>
           <a:prstGeom prst="rect">
@@ -8682,6 +8724,150 @@
           </a:ln>
         </p:spPr>
       </p:pic>
+      <p:pic>
+        <p:nvPicPr>
+          <p:cNvPr id="111" name="Google Shape;111;p20"/>
+          <p:cNvPicPr preferRelativeResize="0"/>
+          <p:nvPr/>
+        </p:nvPicPr>
+        <p:blipFill>
+          <a:blip r:embed="rId7">
+            <a:alphaModFix/>
+          </a:blip>
+          <a:stretch>
+            <a:fillRect/>
+          </a:stretch>
+        </p:blipFill>
+        <p:spPr>
+          <a:xfrm>
+            <a:off x="2056925" y="4490025"/>
+            <a:ext cx="1556362" cy="444675"/>
+          </a:xfrm>
+          <a:prstGeom prst="rect">
+            <a:avLst/>
+          </a:prstGeom>
+          <a:noFill/>
+          <a:ln>
+            <a:noFill/>
+          </a:ln>
+        </p:spPr>
+      </p:pic>
+      <p:pic>
+        <p:nvPicPr>
+          <p:cNvPr id="112" name="Google Shape;112;p20"/>
+          <p:cNvPicPr preferRelativeResize="0"/>
+          <p:nvPr/>
+        </p:nvPicPr>
+        <p:blipFill>
+          <a:blip r:embed="rId8">
+            <a:alphaModFix/>
+          </a:blip>
+          <a:stretch>
+            <a:fillRect/>
+          </a:stretch>
+        </p:blipFill>
+        <p:spPr>
+          <a:xfrm>
+            <a:off x="6822987" y="4512263"/>
+            <a:ext cx="1867634" cy="444675"/>
+          </a:xfrm>
+          <a:prstGeom prst="rect">
+            <a:avLst/>
+          </a:prstGeom>
+          <a:noFill/>
+          <a:ln>
+            <a:noFill/>
+          </a:ln>
+        </p:spPr>
+      </p:pic>
+      <p:sp>
+        <p:nvSpPr>
+          <p:cNvPr id="113" name="Google Shape;113;p20"/>
+          <p:cNvSpPr txBox="1"/>
+          <p:nvPr/>
+        </p:nvSpPr>
+        <p:spPr>
+          <a:xfrm>
+            <a:off x="311700" y="4512250"/>
+            <a:ext cx="1816800" cy="400200"/>
+          </a:xfrm>
+          <a:prstGeom prst="rect">
+            <a:avLst/>
+          </a:prstGeom>
+          <a:noFill/>
+          <a:ln>
+            <a:noFill/>
+          </a:ln>
+        </p:spPr>
+        <p:txBody>
+          <a:bodyPr anchorCtr="0" anchor="t" bIns="91425" lIns="91425" spcFirstLastPara="1" rIns="91425" wrap="square" tIns="91425">
+            <a:spAutoFit/>
+          </a:bodyPr>
+          <a:lstStyle/>
+          <a:p>
+            <a:pPr indent="0" lvl="0" marL="0" rtl="0" algn="l">
+              <a:spcBef>
+                <a:spcPts val="0"/>
+              </a:spcBef>
+              <a:spcAft>
+                <a:spcPts val="0"/>
+              </a:spcAft>
+              <a:buNone/>
+            </a:pPr>
+            <a:r>
+              <a:rPr lang="en"/>
+              <a:t>Frobenius Norm 1</a:t>
+            </a:r>
+            <a:endParaRPr/>
+          </a:p>
+        </p:txBody>
+      </p:sp>
+      <p:sp>
+        <p:nvSpPr>
+          <p:cNvPr id="114" name="Google Shape;114;p20"/>
+          <p:cNvSpPr txBox="1"/>
+          <p:nvPr/>
+        </p:nvSpPr>
+        <p:spPr>
+          <a:xfrm>
+            <a:off x="5024475" y="4534500"/>
+            <a:ext cx="3000000" cy="400200"/>
+          </a:xfrm>
+          <a:prstGeom prst="rect">
+            <a:avLst/>
+          </a:prstGeom>
+          <a:noFill/>
+          <a:ln>
+            <a:noFill/>
+          </a:ln>
+        </p:spPr>
+        <p:txBody>
+          <a:bodyPr anchorCtr="0" anchor="t" bIns="91425" lIns="91425" spcFirstLastPara="1" rIns="91425" wrap="square" tIns="91425">
+            <a:spAutoFit/>
+          </a:bodyPr>
+          <a:lstStyle/>
+          <a:p>
+            <a:pPr indent="0" lvl="0" marL="0" rtl="0" algn="l">
+              <a:spcBef>
+                <a:spcPts val="0"/>
+              </a:spcBef>
+              <a:spcAft>
+                <a:spcPts val="0"/>
+              </a:spcAft>
+              <a:buNone/>
+            </a:pPr>
+            <a:r>
+              <a:rPr lang="en">
+                <a:solidFill>
+                  <a:schemeClr val="dk1"/>
+                </a:solidFill>
+              </a:rPr>
+              <a:t>Frobenius Norm 2</a:t>
+            </a:r>
+            <a:endParaRPr/>
+          </a:p>
+        </p:txBody>
+      </p:sp>
     </p:spTree>
   </p:cSld>
   <p:clrMapOvr>
@@ -8695,7 +8881,7 @@
   <p:cSld>
     <p:spTree>
       <p:nvGrpSpPr>
-        <p:cNvPr id="114" name="Shape 114"/>
+        <p:cNvPr id="118" name="Shape 118"/>
         <p:cNvGrpSpPr/>
         <p:nvPr/>
       </p:nvGrpSpPr>
@@ -8709,7 +8895,7 @@
       </p:grpSpPr>
       <p:sp>
         <p:nvSpPr>
-          <p:cNvPr id="115" name="Google Shape;115;p21"/>
+          <p:cNvPr id="119" name="Google Shape;119;p21"/>
           <p:cNvSpPr txBox="1"/>
           <p:nvPr>
             <p:ph type="title"/>
@@ -8754,7 +8940,7 @@
       </p:sp>
       <p:sp>
         <p:nvSpPr>
-          <p:cNvPr id="116" name="Google Shape;116;p21"/>
+          <p:cNvPr id="120" name="Google Shape;120;p21"/>
           <p:cNvSpPr txBox="1"/>
           <p:nvPr>
             <p:ph idx="1" type="body"/>
